--- a/docs/Figures/EnergyWorking.pptx
+++ b/docs/Figures/EnergyWorking.pptx
@@ -5,9 +5,8 @@
     <p:sldMasterId id="2147483648" r:id="rId1"/>
   </p:sldMasterIdLst>
   <p:sldIdLst>
-    <p:sldId id="256" r:id="rId2"/>
-    <p:sldId id="257" r:id="rId3"/>
-    <p:sldId id="258" r:id="rId4"/>
+    <p:sldId id="257" r:id="rId2"/>
+    <p:sldId id="258" r:id="rId3"/>
   </p:sldIdLst>
   <p:sldSz cx="9144000" cy="6858000" type="screen4x3"/>
   <p:notesSz cx="6858000" cy="9144000"/>
@@ -106,6 +105,22 @@
       </a:defRPr>
     </a:lvl9pPr>
   </p:defaultTextStyle>
+  <p:extLst>
+    <p:ext uri="{EFAFB233-063F-42B5-8137-9DF3F51BA10A}">
+      <p15:sldGuideLst xmlns:p15="http://schemas.microsoft.com/office/powerpoint/2012/main">
+        <p15:guide id="1" orient="horz" pos="2160">
+          <p15:clr>
+            <a:srgbClr val="A4A3A4"/>
+          </p15:clr>
+        </p15:guide>
+        <p15:guide id="2" pos="2880">
+          <p15:clr>
+            <a:srgbClr val="A4A3A4"/>
+          </p15:clr>
+        </p15:guide>
+      </p15:sldGuideLst>
+    </p:ext>
+  </p:extLst>
 </p:presentation>
 </file>
 
@@ -147,10 +162,9 @@
           <a:lstStyle/>
           <a:p>
             <a:r>
-              <a:rPr lang="en-US" smtClean="0"/>
+              <a:rPr lang="en-US"/>
               <a:t>Click to edit Master title style</a:t>
             </a:r>
-            <a:endParaRPr lang="en-US"/>
           </a:p>
         </p:txBody>
       </p:sp>
@@ -266,10 +280,9 @@
           </a:lstStyle>
           <a:p>
             <a:r>
-              <a:rPr lang="en-US" smtClean="0"/>
+              <a:rPr lang="en-US"/>
               <a:t>Click to edit Master subtitle style</a:t>
             </a:r>
-            <a:endParaRPr lang="en-US"/>
           </a:p>
         </p:txBody>
       </p:sp>
@@ -290,7 +303,7 @@
           <a:p>
             <a:fld id="{00E4E903-E6F2-4F38-91BC-17A210B123BD}" type="datetimeFigureOut">
               <a:rPr lang="en-US" smtClean="0"/>
-              <a:t>12/14/2016</a:t>
+              <a:t>1/7/2020</a:t>
             </a:fld>
             <a:endParaRPr lang="en-US"/>
           </a:p>
@@ -384,10 +397,9 @@
           <a:lstStyle/>
           <a:p>
             <a:r>
-              <a:rPr lang="en-US" smtClean="0"/>
+              <a:rPr lang="en-US"/>
               <a:t>Click to edit Master title style</a:t>
             </a:r>
-            <a:endParaRPr lang="en-US"/>
           </a:p>
         </p:txBody>
       </p:sp>
@@ -408,38 +420,37 @@
           <a:p>
             <a:pPr lvl="0"/>
             <a:r>
-              <a:rPr lang="en-US" smtClean="0"/>
+              <a:rPr lang="en-US"/>
               <a:t>Click to edit Master text styles</a:t>
             </a:r>
           </a:p>
           <a:p>
             <a:pPr lvl="1"/>
             <a:r>
-              <a:rPr lang="en-US" smtClean="0"/>
+              <a:rPr lang="en-US"/>
               <a:t>Second level</a:t>
             </a:r>
           </a:p>
           <a:p>
             <a:pPr lvl="2"/>
             <a:r>
-              <a:rPr lang="en-US" smtClean="0"/>
+              <a:rPr lang="en-US"/>
               <a:t>Third level</a:t>
             </a:r>
           </a:p>
           <a:p>
             <a:pPr lvl="3"/>
             <a:r>
-              <a:rPr lang="en-US" smtClean="0"/>
+              <a:rPr lang="en-US"/>
               <a:t>Fourth level</a:t>
             </a:r>
           </a:p>
           <a:p>
             <a:pPr lvl="4"/>
             <a:r>
-              <a:rPr lang="en-US" smtClean="0"/>
+              <a:rPr lang="en-US"/>
               <a:t>Fifth level</a:t>
             </a:r>
-            <a:endParaRPr lang="en-US"/>
           </a:p>
         </p:txBody>
       </p:sp>
@@ -460,7 +471,7 @@
           <a:p>
             <a:fld id="{00E4E903-E6F2-4F38-91BC-17A210B123BD}" type="datetimeFigureOut">
               <a:rPr lang="en-US" smtClean="0"/>
-              <a:t>12/14/2016</a:t>
+              <a:t>1/7/2020</a:t>
             </a:fld>
             <a:endParaRPr lang="en-US"/>
           </a:p>
@@ -559,10 +570,9 @@
           <a:lstStyle/>
           <a:p>
             <a:r>
-              <a:rPr lang="en-US" smtClean="0"/>
+              <a:rPr lang="en-US"/>
               <a:t>Click to edit Master title style</a:t>
             </a:r>
-            <a:endParaRPr lang="en-US"/>
           </a:p>
         </p:txBody>
       </p:sp>
@@ -588,38 +598,37 @@
           <a:p>
             <a:pPr lvl="0"/>
             <a:r>
-              <a:rPr lang="en-US" smtClean="0"/>
+              <a:rPr lang="en-US"/>
               <a:t>Click to edit Master text styles</a:t>
             </a:r>
           </a:p>
           <a:p>
             <a:pPr lvl="1"/>
             <a:r>
-              <a:rPr lang="en-US" smtClean="0"/>
+              <a:rPr lang="en-US"/>
               <a:t>Second level</a:t>
             </a:r>
           </a:p>
           <a:p>
             <a:pPr lvl="2"/>
             <a:r>
-              <a:rPr lang="en-US" smtClean="0"/>
+              <a:rPr lang="en-US"/>
               <a:t>Third level</a:t>
             </a:r>
           </a:p>
           <a:p>
             <a:pPr lvl="3"/>
             <a:r>
-              <a:rPr lang="en-US" smtClean="0"/>
+              <a:rPr lang="en-US"/>
               <a:t>Fourth level</a:t>
             </a:r>
           </a:p>
           <a:p>
             <a:pPr lvl="4"/>
             <a:r>
-              <a:rPr lang="en-US" smtClean="0"/>
+              <a:rPr lang="en-US"/>
               <a:t>Fifth level</a:t>
             </a:r>
-            <a:endParaRPr lang="en-US"/>
           </a:p>
         </p:txBody>
       </p:sp>
@@ -640,7 +649,7 @@
           <a:p>
             <a:fld id="{00E4E903-E6F2-4F38-91BC-17A210B123BD}" type="datetimeFigureOut">
               <a:rPr lang="en-US" smtClean="0"/>
-              <a:t>12/14/2016</a:t>
+              <a:t>1/7/2020</a:t>
             </a:fld>
             <a:endParaRPr lang="en-US"/>
           </a:p>
@@ -734,10 +743,9 @@
           <a:lstStyle/>
           <a:p>
             <a:r>
-              <a:rPr lang="en-US" smtClean="0"/>
+              <a:rPr lang="en-US"/>
               <a:t>Click to edit Master title style</a:t>
             </a:r>
-            <a:endParaRPr lang="en-US"/>
           </a:p>
         </p:txBody>
       </p:sp>
@@ -758,38 +766,37 @@
           <a:p>
             <a:pPr lvl="0"/>
             <a:r>
-              <a:rPr lang="en-US" smtClean="0"/>
+              <a:rPr lang="en-US"/>
               <a:t>Click to edit Master text styles</a:t>
             </a:r>
           </a:p>
           <a:p>
             <a:pPr lvl="1"/>
             <a:r>
-              <a:rPr lang="en-US" smtClean="0"/>
+              <a:rPr lang="en-US"/>
               <a:t>Second level</a:t>
             </a:r>
           </a:p>
           <a:p>
             <a:pPr lvl="2"/>
             <a:r>
-              <a:rPr lang="en-US" smtClean="0"/>
+              <a:rPr lang="en-US"/>
               <a:t>Third level</a:t>
             </a:r>
           </a:p>
           <a:p>
             <a:pPr lvl="3"/>
             <a:r>
-              <a:rPr lang="en-US" smtClean="0"/>
+              <a:rPr lang="en-US"/>
               <a:t>Fourth level</a:t>
             </a:r>
           </a:p>
           <a:p>
             <a:pPr lvl="4"/>
             <a:r>
-              <a:rPr lang="en-US" smtClean="0"/>
+              <a:rPr lang="en-US"/>
               <a:t>Fifth level</a:t>
             </a:r>
-            <a:endParaRPr lang="en-US"/>
           </a:p>
         </p:txBody>
       </p:sp>
@@ -810,7 +817,7 @@
           <a:p>
             <a:fld id="{00E4E903-E6F2-4F38-91BC-17A210B123BD}" type="datetimeFigureOut">
               <a:rPr lang="en-US" smtClean="0"/>
-              <a:t>12/14/2016</a:t>
+              <a:t>1/7/2020</a:t>
             </a:fld>
             <a:endParaRPr lang="en-US"/>
           </a:p>
@@ -913,10 +920,9 @@
           </a:lstStyle>
           <a:p>
             <a:r>
-              <a:rPr lang="en-US" smtClean="0"/>
+              <a:rPr lang="en-US"/>
               <a:t>Click to edit Master title style</a:t>
             </a:r>
-            <a:endParaRPr lang="en-US"/>
           </a:p>
         </p:txBody>
       </p:sp>
@@ -1033,7 +1039,7 @@
           <a:p>
             <a:pPr lvl="0"/>
             <a:r>
-              <a:rPr lang="en-US" smtClean="0"/>
+              <a:rPr lang="en-US"/>
               <a:t>Click to edit Master text styles</a:t>
             </a:r>
           </a:p>
@@ -1056,7 +1062,7 @@
           <a:p>
             <a:fld id="{00E4E903-E6F2-4F38-91BC-17A210B123BD}" type="datetimeFigureOut">
               <a:rPr lang="en-US" smtClean="0"/>
-              <a:t>12/14/2016</a:t>
+              <a:t>1/7/2020</a:t>
             </a:fld>
             <a:endParaRPr lang="en-US"/>
           </a:p>
@@ -1150,10 +1156,9 @@
           <a:lstStyle/>
           <a:p>
             <a:r>
-              <a:rPr lang="en-US" smtClean="0"/>
+              <a:rPr lang="en-US"/>
               <a:t>Click to edit Master title style</a:t>
             </a:r>
-            <a:endParaRPr lang="en-US"/>
           </a:p>
         </p:txBody>
       </p:sp>
@@ -1207,38 +1212,37 @@
           <a:p>
             <a:pPr lvl="0"/>
             <a:r>
-              <a:rPr lang="en-US" smtClean="0"/>
+              <a:rPr lang="en-US"/>
               <a:t>Click to edit Master text styles</a:t>
             </a:r>
           </a:p>
           <a:p>
             <a:pPr lvl="1"/>
             <a:r>
-              <a:rPr lang="en-US" smtClean="0"/>
+              <a:rPr lang="en-US"/>
               <a:t>Second level</a:t>
             </a:r>
           </a:p>
           <a:p>
             <a:pPr lvl="2"/>
             <a:r>
-              <a:rPr lang="en-US" smtClean="0"/>
+              <a:rPr lang="en-US"/>
               <a:t>Third level</a:t>
             </a:r>
           </a:p>
           <a:p>
             <a:pPr lvl="3"/>
             <a:r>
-              <a:rPr lang="en-US" smtClean="0"/>
+              <a:rPr lang="en-US"/>
               <a:t>Fourth level</a:t>
             </a:r>
           </a:p>
           <a:p>
             <a:pPr lvl="4"/>
             <a:r>
-              <a:rPr lang="en-US" smtClean="0"/>
+              <a:rPr lang="en-US"/>
               <a:t>Fifth level</a:t>
             </a:r>
-            <a:endParaRPr lang="en-US"/>
           </a:p>
         </p:txBody>
       </p:sp>
@@ -1292,38 +1296,37 @@
           <a:p>
             <a:pPr lvl="0"/>
             <a:r>
-              <a:rPr lang="en-US" smtClean="0"/>
+              <a:rPr lang="en-US"/>
               <a:t>Click to edit Master text styles</a:t>
             </a:r>
           </a:p>
           <a:p>
             <a:pPr lvl="1"/>
             <a:r>
-              <a:rPr lang="en-US" smtClean="0"/>
+              <a:rPr lang="en-US"/>
               <a:t>Second level</a:t>
             </a:r>
           </a:p>
           <a:p>
             <a:pPr lvl="2"/>
             <a:r>
-              <a:rPr lang="en-US" smtClean="0"/>
+              <a:rPr lang="en-US"/>
               <a:t>Third level</a:t>
             </a:r>
           </a:p>
           <a:p>
             <a:pPr lvl="3"/>
             <a:r>
-              <a:rPr lang="en-US" smtClean="0"/>
+              <a:rPr lang="en-US"/>
               <a:t>Fourth level</a:t>
             </a:r>
           </a:p>
           <a:p>
             <a:pPr lvl="4"/>
             <a:r>
-              <a:rPr lang="en-US" smtClean="0"/>
+              <a:rPr lang="en-US"/>
               <a:t>Fifth level</a:t>
             </a:r>
-            <a:endParaRPr lang="en-US"/>
           </a:p>
         </p:txBody>
       </p:sp>
@@ -1344,7 +1347,7 @@
           <a:p>
             <a:fld id="{00E4E903-E6F2-4F38-91BC-17A210B123BD}" type="datetimeFigureOut">
               <a:rPr lang="en-US" smtClean="0"/>
-              <a:t>12/14/2016</a:t>
+              <a:t>1/7/2020</a:t>
             </a:fld>
             <a:endParaRPr lang="en-US"/>
           </a:p>
@@ -1442,10 +1445,9 @@
           </a:lstStyle>
           <a:p>
             <a:r>
-              <a:rPr lang="en-US" smtClean="0"/>
+              <a:rPr lang="en-US"/>
               <a:t>Click to edit Master title style</a:t>
             </a:r>
-            <a:endParaRPr lang="en-US"/>
           </a:p>
         </p:txBody>
       </p:sp>
@@ -1508,7 +1510,7 @@
           <a:p>
             <a:pPr lvl="0"/>
             <a:r>
-              <a:rPr lang="en-US" smtClean="0"/>
+              <a:rPr lang="en-US"/>
               <a:t>Click to edit Master text styles</a:t>
             </a:r>
           </a:p>
@@ -1564,38 +1566,37 @@
           <a:p>
             <a:pPr lvl="0"/>
             <a:r>
-              <a:rPr lang="en-US" smtClean="0"/>
+              <a:rPr lang="en-US"/>
               <a:t>Click to edit Master text styles</a:t>
             </a:r>
           </a:p>
           <a:p>
             <a:pPr lvl="1"/>
             <a:r>
-              <a:rPr lang="en-US" smtClean="0"/>
+              <a:rPr lang="en-US"/>
               <a:t>Second level</a:t>
             </a:r>
           </a:p>
           <a:p>
             <a:pPr lvl="2"/>
             <a:r>
-              <a:rPr lang="en-US" smtClean="0"/>
+              <a:rPr lang="en-US"/>
               <a:t>Third level</a:t>
             </a:r>
           </a:p>
           <a:p>
             <a:pPr lvl="3"/>
             <a:r>
-              <a:rPr lang="en-US" smtClean="0"/>
+              <a:rPr lang="en-US"/>
               <a:t>Fourth level</a:t>
             </a:r>
           </a:p>
           <a:p>
             <a:pPr lvl="4"/>
             <a:r>
-              <a:rPr lang="en-US" smtClean="0"/>
+              <a:rPr lang="en-US"/>
               <a:t>Fifth level</a:t>
             </a:r>
-            <a:endParaRPr lang="en-US"/>
           </a:p>
         </p:txBody>
       </p:sp>
@@ -1658,7 +1659,7 @@
           <a:p>
             <a:pPr lvl="0"/>
             <a:r>
-              <a:rPr lang="en-US" smtClean="0"/>
+              <a:rPr lang="en-US"/>
               <a:t>Click to edit Master text styles</a:t>
             </a:r>
           </a:p>
@@ -1714,38 +1715,37 @@
           <a:p>
             <a:pPr lvl="0"/>
             <a:r>
-              <a:rPr lang="en-US" smtClean="0"/>
+              <a:rPr lang="en-US"/>
               <a:t>Click to edit Master text styles</a:t>
             </a:r>
           </a:p>
           <a:p>
             <a:pPr lvl="1"/>
             <a:r>
-              <a:rPr lang="en-US" smtClean="0"/>
+              <a:rPr lang="en-US"/>
               <a:t>Second level</a:t>
             </a:r>
           </a:p>
           <a:p>
             <a:pPr lvl="2"/>
             <a:r>
-              <a:rPr lang="en-US" smtClean="0"/>
+              <a:rPr lang="en-US"/>
               <a:t>Third level</a:t>
             </a:r>
           </a:p>
           <a:p>
             <a:pPr lvl="3"/>
             <a:r>
-              <a:rPr lang="en-US" smtClean="0"/>
+              <a:rPr lang="en-US"/>
               <a:t>Fourth level</a:t>
             </a:r>
           </a:p>
           <a:p>
             <a:pPr lvl="4"/>
             <a:r>
-              <a:rPr lang="en-US" smtClean="0"/>
+              <a:rPr lang="en-US"/>
               <a:t>Fifth level</a:t>
             </a:r>
-            <a:endParaRPr lang="en-US"/>
           </a:p>
         </p:txBody>
       </p:sp>
@@ -1766,7 +1766,7 @@
           <a:p>
             <a:fld id="{00E4E903-E6F2-4F38-91BC-17A210B123BD}" type="datetimeFigureOut">
               <a:rPr lang="en-US" smtClean="0"/>
-              <a:t>12/14/2016</a:t>
+              <a:t>1/7/2020</a:t>
             </a:fld>
             <a:endParaRPr lang="en-US"/>
           </a:p>
@@ -1860,10 +1860,9 @@
           <a:lstStyle/>
           <a:p>
             <a:r>
-              <a:rPr lang="en-US" smtClean="0"/>
+              <a:rPr lang="en-US"/>
               <a:t>Click to edit Master title style</a:t>
             </a:r>
-            <a:endParaRPr lang="en-US"/>
           </a:p>
         </p:txBody>
       </p:sp>
@@ -1884,7 +1883,7 @@
           <a:p>
             <a:fld id="{00E4E903-E6F2-4F38-91BC-17A210B123BD}" type="datetimeFigureOut">
               <a:rPr lang="en-US" smtClean="0"/>
-              <a:t>12/14/2016</a:t>
+              <a:t>1/7/2020</a:t>
             </a:fld>
             <a:endParaRPr lang="en-US"/>
           </a:p>
@@ -1979,7 +1978,7 @@
           <a:p>
             <a:fld id="{00E4E903-E6F2-4F38-91BC-17A210B123BD}" type="datetimeFigureOut">
               <a:rPr lang="en-US" smtClean="0"/>
-              <a:t>12/14/2016</a:t>
+              <a:t>1/7/2020</a:t>
             </a:fld>
             <a:endParaRPr lang="en-US"/>
           </a:p>
@@ -2082,10 +2081,9 @@
           </a:lstStyle>
           <a:p>
             <a:r>
-              <a:rPr lang="en-US" smtClean="0"/>
+              <a:rPr lang="en-US"/>
               <a:t>Click to edit Master title style</a:t>
             </a:r>
-            <a:endParaRPr lang="en-US"/>
           </a:p>
         </p:txBody>
       </p:sp>
@@ -2139,38 +2137,37 @@
           <a:p>
             <a:pPr lvl="0"/>
             <a:r>
-              <a:rPr lang="en-US" smtClean="0"/>
+              <a:rPr lang="en-US"/>
               <a:t>Click to edit Master text styles</a:t>
             </a:r>
           </a:p>
           <a:p>
             <a:pPr lvl="1"/>
             <a:r>
-              <a:rPr lang="en-US" smtClean="0"/>
+              <a:rPr lang="en-US"/>
               <a:t>Second level</a:t>
             </a:r>
           </a:p>
           <a:p>
             <a:pPr lvl="2"/>
             <a:r>
-              <a:rPr lang="en-US" smtClean="0"/>
+              <a:rPr lang="en-US"/>
               <a:t>Third level</a:t>
             </a:r>
           </a:p>
           <a:p>
             <a:pPr lvl="3"/>
             <a:r>
-              <a:rPr lang="en-US" smtClean="0"/>
+              <a:rPr lang="en-US"/>
               <a:t>Fourth level</a:t>
             </a:r>
           </a:p>
           <a:p>
             <a:pPr lvl="4"/>
             <a:r>
-              <a:rPr lang="en-US" smtClean="0"/>
+              <a:rPr lang="en-US"/>
               <a:t>Fifth level</a:t>
             </a:r>
-            <a:endParaRPr lang="en-US"/>
           </a:p>
         </p:txBody>
       </p:sp>
@@ -2233,7 +2230,7 @@
           <a:p>
             <a:pPr lvl="0"/>
             <a:r>
-              <a:rPr lang="en-US" smtClean="0"/>
+              <a:rPr lang="en-US"/>
               <a:t>Click to edit Master text styles</a:t>
             </a:r>
           </a:p>
@@ -2256,7 +2253,7 @@
           <a:p>
             <a:fld id="{00E4E903-E6F2-4F38-91BC-17A210B123BD}" type="datetimeFigureOut">
               <a:rPr lang="en-US" smtClean="0"/>
-              <a:t>12/14/2016</a:t>
+              <a:t>1/7/2020</a:t>
             </a:fld>
             <a:endParaRPr lang="en-US"/>
           </a:p>
@@ -2359,10 +2356,9 @@
           </a:lstStyle>
           <a:p>
             <a:r>
-              <a:rPr lang="en-US" smtClean="0"/>
+              <a:rPr lang="en-US"/>
               <a:t>Click to edit Master title style</a:t>
             </a:r>
-            <a:endParaRPr lang="en-US"/>
           </a:p>
         </p:txBody>
       </p:sp>
@@ -2486,7 +2482,7 @@
           <a:p>
             <a:pPr lvl="0"/>
             <a:r>
-              <a:rPr lang="en-US" smtClean="0"/>
+              <a:rPr lang="en-US"/>
               <a:t>Click to edit Master text styles</a:t>
             </a:r>
           </a:p>
@@ -2509,7 +2505,7 @@
           <a:p>
             <a:fld id="{00E4E903-E6F2-4F38-91BC-17A210B123BD}" type="datetimeFigureOut">
               <a:rPr lang="en-US" smtClean="0"/>
-              <a:t>12/14/2016</a:t>
+              <a:t>1/7/2020</a:t>
             </a:fld>
             <a:endParaRPr lang="en-US"/>
           </a:p>
@@ -2618,10 +2614,9 @@
           <a:lstStyle/>
           <a:p>
             <a:r>
-              <a:rPr lang="en-US" smtClean="0"/>
+              <a:rPr lang="en-US"/>
               <a:t>Click to edit Master title style</a:t>
             </a:r>
-            <a:endParaRPr lang="en-US"/>
           </a:p>
         </p:txBody>
       </p:sp>
@@ -2652,38 +2647,37 @@
           <a:p>
             <a:pPr lvl="0"/>
             <a:r>
-              <a:rPr lang="en-US" smtClean="0"/>
+              <a:rPr lang="en-US"/>
               <a:t>Click to edit Master text styles</a:t>
             </a:r>
           </a:p>
           <a:p>
             <a:pPr lvl="1"/>
             <a:r>
-              <a:rPr lang="en-US" smtClean="0"/>
+              <a:rPr lang="en-US"/>
               <a:t>Second level</a:t>
             </a:r>
           </a:p>
           <a:p>
             <a:pPr lvl="2"/>
             <a:r>
-              <a:rPr lang="en-US" smtClean="0"/>
+              <a:rPr lang="en-US"/>
               <a:t>Third level</a:t>
             </a:r>
           </a:p>
           <a:p>
             <a:pPr lvl="3"/>
             <a:r>
-              <a:rPr lang="en-US" smtClean="0"/>
+              <a:rPr lang="en-US"/>
               <a:t>Fourth level</a:t>
             </a:r>
           </a:p>
           <a:p>
             <a:pPr lvl="4"/>
             <a:r>
-              <a:rPr lang="en-US" smtClean="0"/>
+              <a:rPr lang="en-US"/>
               <a:t>Fifth level</a:t>
             </a:r>
-            <a:endParaRPr lang="en-US"/>
           </a:p>
         </p:txBody>
       </p:sp>
@@ -2722,7 +2716,7 @@
           <a:p>
             <a:fld id="{00E4E903-E6F2-4F38-91BC-17A210B123BD}" type="datetimeFigureOut">
               <a:rPr lang="en-US" smtClean="0"/>
-              <a:t>12/14/2016</a:t>
+              <a:t>1/7/2020</a:t>
             </a:fld>
             <a:endParaRPr lang="en-US"/>
           </a:p>
@@ -3099,553 +3093,6 @@
       </p:grpSpPr>
       <p:sp>
         <p:nvSpPr>
-          <p:cNvPr id="4" name="Down Arrow 3"/>
-          <p:cNvSpPr/>
-          <p:nvPr/>
-        </p:nvSpPr>
-        <p:spPr>
-          <a:xfrm rot="16200000">
-            <a:off x="3115072" y="3556736"/>
-            <a:ext cx="457200" cy="457200"/>
-          </a:xfrm>
-          <a:prstGeom prst="downArrow">
-            <a:avLst/>
-          </a:prstGeom>
-        </p:spPr>
-        <p:style>
-          <a:lnRef idx="2">
-            <a:schemeClr val="dk1">
-              <a:shade val="50000"/>
-            </a:schemeClr>
-          </a:lnRef>
-          <a:fillRef idx="1">
-            <a:schemeClr val="dk1"/>
-          </a:fillRef>
-          <a:effectRef idx="0">
-            <a:schemeClr val="dk1"/>
-          </a:effectRef>
-          <a:fontRef idx="minor">
-            <a:schemeClr val="lt1"/>
-          </a:fontRef>
-        </p:style>
-        <p:txBody>
-          <a:bodyPr rtlCol="0" anchor="ctr"/>
-          <a:lstStyle/>
-          <a:p>
-            <a:pPr algn="ctr"/>
-            <a:endParaRPr lang="en-US">
-              <a:solidFill>
-                <a:prstClr val="white"/>
-              </a:solidFill>
-            </a:endParaRPr>
-          </a:p>
-        </p:txBody>
-      </p:sp>
-      <p:sp>
-        <p:nvSpPr>
-          <p:cNvPr id="5" name="Rounded Rectangle 4"/>
-          <p:cNvSpPr/>
-          <p:nvPr/>
-        </p:nvSpPr>
-        <p:spPr>
-          <a:xfrm>
-            <a:off x="438989" y="3213836"/>
-            <a:ext cx="2514600" cy="1028699"/>
-          </a:xfrm>
-          <a:prstGeom prst="roundRect">
-            <a:avLst/>
-          </a:prstGeom>
-        </p:spPr>
-        <p:style>
-          <a:lnRef idx="2">
-            <a:schemeClr val="accent1">
-              <a:shade val="50000"/>
-            </a:schemeClr>
-          </a:lnRef>
-          <a:fillRef idx="1">
-            <a:schemeClr val="accent1"/>
-          </a:fillRef>
-          <a:effectRef idx="0">
-            <a:schemeClr val="accent1"/>
-          </a:effectRef>
-          <a:fontRef idx="minor">
-            <a:schemeClr val="lt1"/>
-          </a:fontRef>
-        </p:style>
-        <p:txBody>
-          <a:bodyPr rtlCol="0" anchor="t" anchorCtr="0"/>
-          <a:lstStyle/>
-          <a:p>
-            <a:pPr algn="ctr"/>
-            <a:r>
-              <a:rPr lang="en-US" sz="1050" b="1" u="sng" dirty="0" smtClean="0">
-                <a:solidFill>
-                  <a:prstClr val="white"/>
-                </a:solidFill>
-              </a:rPr>
-              <a:t>Preprocess</a:t>
-            </a:r>
-          </a:p>
-          <a:p>
-            <a:pPr marL="119063" indent="-119063">
-              <a:buFont typeface="Arial" pitchFamily="34" charset="0"/>
-              <a:buChar char="•"/>
-            </a:pPr>
-            <a:r>
-              <a:rPr lang="en-US" sz="1050" dirty="0" err="1" smtClean="0"/>
-              <a:t>CalculateMetabolicHeatGeneration</a:t>
-            </a:r>
-            <a:endParaRPr lang="en-US" sz="1050" dirty="0" smtClean="0"/>
-          </a:p>
-          <a:p>
-            <a:pPr marL="119063" indent="-119063">
-              <a:buFont typeface="Arial" pitchFamily="34" charset="0"/>
-              <a:buChar char="•"/>
-            </a:pPr>
-            <a:r>
-              <a:rPr lang="en-US" sz="1050" dirty="0" err="1" smtClean="0"/>
-              <a:t>CalculateSweatRate</a:t>
-            </a:r>
-            <a:endParaRPr lang="en-US" sz="1050" dirty="0" smtClean="0"/>
-          </a:p>
-          <a:p>
-            <a:pPr marL="119063" indent="-119063">
-              <a:buFont typeface="Arial" pitchFamily="34" charset="0"/>
-              <a:buChar char="•"/>
-            </a:pPr>
-            <a:r>
-              <a:rPr lang="en-US" sz="1050" dirty="0" err="1" smtClean="0"/>
-              <a:t>UpdateHeatResistance</a:t>
-            </a:r>
-            <a:endParaRPr lang="en-US" sz="1050" dirty="0" smtClean="0"/>
-          </a:p>
-          <a:p>
-            <a:pPr marL="119063" indent="-119063">
-              <a:buFont typeface="Arial" pitchFamily="34" charset="0"/>
-              <a:buChar char="•"/>
-            </a:pPr>
-            <a:r>
-              <a:rPr lang="en-US" sz="1050" dirty="0" smtClean="0">
-                <a:solidFill>
-                  <a:prstClr val="white"/>
-                </a:solidFill>
-              </a:rPr>
-              <a:t>Exercise</a:t>
-            </a:r>
-            <a:endParaRPr lang="en-US" sz="1050" dirty="0" smtClean="0"/>
-          </a:p>
-        </p:txBody>
-      </p:sp>
-      <p:sp>
-        <p:nvSpPr>
-          <p:cNvPr id="6" name="Rounded Rectangle 5"/>
-          <p:cNvSpPr/>
-          <p:nvPr/>
-        </p:nvSpPr>
-        <p:spPr>
-          <a:xfrm>
-            <a:off x="3733755" y="3442434"/>
-            <a:ext cx="2057400" cy="685801"/>
-          </a:xfrm>
-          <a:prstGeom prst="roundRect">
-            <a:avLst/>
-          </a:prstGeom>
-        </p:spPr>
-        <p:style>
-          <a:lnRef idx="2">
-            <a:schemeClr val="accent1">
-              <a:shade val="50000"/>
-            </a:schemeClr>
-          </a:lnRef>
-          <a:fillRef idx="1">
-            <a:schemeClr val="accent1"/>
-          </a:fillRef>
-          <a:effectRef idx="0">
-            <a:schemeClr val="accent1"/>
-          </a:effectRef>
-          <a:fontRef idx="minor">
-            <a:schemeClr val="lt1"/>
-          </a:fontRef>
-        </p:style>
-        <p:txBody>
-          <a:bodyPr rtlCol="0" anchor="t" anchorCtr="0"/>
-          <a:lstStyle/>
-          <a:p>
-            <a:pPr algn="ctr"/>
-            <a:r>
-              <a:rPr lang="en-US" sz="1050" b="1" u="sng" dirty="0" smtClean="0">
-                <a:solidFill>
-                  <a:prstClr val="white"/>
-                </a:solidFill>
-              </a:rPr>
-              <a:t>Process</a:t>
-            </a:r>
-          </a:p>
-          <a:p>
-            <a:pPr marL="119063" indent="-119063">
-              <a:buFont typeface="Arial" pitchFamily="34" charset="0"/>
-              <a:buChar char="•"/>
-            </a:pPr>
-            <a:r>
-              <a:rPr lang="en-US" sz="1050" dirty="0" smtClean="0"/>
-              <a:t>Solve Temperature Circuit</a:t>
-            </a:r>
-          </a:p>
-          <a:p>
-            <a:pPr marL="119063" indent="-119063">
-              <a:buFont typeface="Arial" pitchFamily="34" charset="0"/>
-              <a:buChar char="•"/>
-            </a:pPr>
-            <a:r>
-              <a:rPr lang="en-US" sz="1050" dirty="0" err="1" smtClean="0"/>
-              <a:t>CalculateVitalSigns</a:t>
-            </a:r>
-            <a:endParaRPr lang="en-US" sz="1050" dirty="0" smtClean="0"/>
-          </a:p>
-        </p:txBody>
-      </p:sp>
-      <p:sp>
-        <p:nvSpPr>
-          <p:cNvPr id="7" name="Rounded Rectangle 6"/>
-          <p:cNvSpPr/>
-          <p:nvPr/>
-        </p:nvSpPr>
-        <p:spPr>
-          <a:xfrm>
-            <a:off x="6571321" y="3442435"/>
-            <a:ext cx="2057400" cy="685800"/>
-          </a:xfrm>
-          <a:prstGeom prst="roundRect">
-            <a:avLst/>
-          </a:prstGeom>
-        </p:spPr>
-        <p:style>
-          <a:lnRef idx="2">
-            <a:schemeClr val="accent1">
-              <a:shade val="50000"/>
-            </a:schemeClr>
-          </a:lnRef>
-          <a:fillRef idx="1">
-            <a:schemeClr val="accent1"/>
-          </a:fillRef>
-          <a:effectRef idx="0">
-            <a:schemeClr val="accent1"/>
-          </a:effectRef>
-          <a:fontRef idx="minor">
-            <a:schemeClr val="lt1"/>
-          </a:fontRef>
-        </p:style>
-        <p:txBody>
-          <a:bodyPr rtlCol="0" anchor="t" anchorCtr="0"/>
-          <a:lstStyle/>
-          <a:p>
-            <a:pPr algn="ctr"/>
-            <a:r>
-              <a:rPr lang="en-US" sz="1050" b="1" u="sng" dirty="0" err="1" smtClean="0">
-                <a:solidFill>
-                  <a:prstClr val="white"/>
-                </a:solidFill>
-              </a:rPr>
-              <a:t>PostProcess</a:t>
-            </a:r>
-            <a:endParaRPr lang="en-US" sz="1050" b="1" u="sng" dirty="0" smtClean="0">
-              <a:solidFill>
-                <a:prstClr val="white"/>
-              </a:solidFill>
-            </a:endParaRPr>
-          </a:p>
-          <a:p>
-            <a:pPr marL="119063" indent="-119063">
-              <a:buFont typeface="Arial" pitchFamily="34" charset="0"/>
-              <a:buChar char="•"/>
-            </a:pPr>
-            <a:r>
-              <a:rPr lang="en-US" sz="1050" dirty="0" smtClean="0"/>
-              <a:t>Advance Temperature Circuit</a:t>
-            </a:r>
-          </a:p>
-        </p:txBody>
-      </p:sp>
-      <p:sp>
-        <p:nvSpPr>
-          <p:cNvPr id="10" name="Rounded Rectangle 9"/>
-          <p:cNvSpPr/>
-          <p:nvPr/>
-        </p:nvSpPr>
-        <p:spPr>
-          <a:xfrm>
-            <a:off x="438989" y="1523999"/>
-            <a:ext cx="2514600" cy="974495"/>
-          </a:xfrm>
-          <a:prstGeom prst="roundRect">
-            <a:avLst/>
-          </a:prstGeom>
-        </p:spPr>
-        <p:style>
-          <a:lnRef idx="2">
-            <a:schemeClr val="accent1">
-              <a:shade val="50000"/>
-            </a:schemeClr>
-          </a:lnRef>
-          <a:fillRef idx="1">
-            <a:schemeClr val="accent1"/>
-          </a:fillRef>
-          <a:effectRef idx="0">
-            <a:schemeClr val="accent1"/>
-          </a:effectRef>
-          <a:fontRef idx="minor">
-            <a:schemeClr val="lt1"/>
-          </a:fontRef>
-        </p:style>
-        <p:txBody>
-          <a:bodyPr rtlCol="0" anchor="t" anchorCtr="0"/>
-          <a:lstStyle/>
-          <a:p>
-            <a:pPr algn="ctr"/>
-            <a:r>
-              <a:rPr lang="en-US" sz="1050" b="1" u="sng" dirty="0" smtClean="0">
-                <a:solidFill>
-                  <a:prstClr val="white"/>
-                </a:solidFill>
-              </a:rPr>
-              <a:t>Conditions</a:t>
-            </a:r>
-            <a:endParaRPr lang="en-US" sz="1050" b="1" u="sng" dirty="0" smtClean="0">
-              <a:solidFill>
-                <a:prstClr val="white"/>
-              </a:solidFill>
-            </a:endParaRPr>
-          </a:p>
-          <a:p>
-            <a:pPr marL="119063" indent="-119063">
-              <a:buFont typeface="Arial" pitchFamily="34" charset="0"/>
-              <a:buChar char="•"/>
-            </a:pPr>
-            <a:r>
-              <a:rPr lang="en-US" sz="1050" i="1" dirty="0" smtClean="0">
-                <a:solidFill>
-                  <a:prstClr val="white"/>
-                </a:solidFill>
-              </a:rPr>
-              <a:t>Coming Soon</a:t>
-            </a:r>
-            <a:endParaRPr lang="en-US" sz="1050" i="1" dirty="0" smtClean="0">
-              <a:solidFill>
-                <a:prstClr val="white"/>
-              </a:solidFill>
-            </a:endParaRPr>
-          </a:p>
-          <a:p>
-            <a:pPr marL="344488" lvl="1" indent="-111125">
-              <a:buFont typeface="Arial" pitchFamily="34" charset="0"/>
-              <a:buChar char="•"/>
-            </a:pPr>
-            <a:r>
-              <a:rPr lang="en-US" sz="1050" dirty="0" err="1" smtClean="0"/>
-              <a:t>ConsumeMeal</a:t>
-            </a:r>
-            <a:endParaRPr lang="en-US" sz="1050" dirty="0" smtClean="0"/>
-          </a:p>
-          <a:p>
-            <a:pPr marL="344488" lvl="1" indent="-111125">
-              <a:buFont typeface="Arial" pitchFamily="34" charset="0"/>
-              <a:buChar char="•"/>
-            </a:pPr>
-            <a:r>
-              <a:rPr lang="en-US" sz="1050" dirty="0" smtClean="0">
-                <a:solidFill>
-                  <a:prstClr val="white"/>
-                </a:solidFill>
-              </a:rPr>
-              <a:t>Starvation</a:t>
-            </a:r>
-          </a:p>
-          <a:p>
-            <a:pPr marL="344488" lvl="1" indent="-111125">
-              <a:buFont typeface="Arial" pitchFamily="34" charset="0"/>
-              <a:buChar char="•"/>
-            </a:pPr>
-            <a:r>
-              <a:rPr lang="en-US" sz="1050" dirty="0" smtClean="0">
-                <a:solidFill>
-                  <a:prstClr val="white"/>
-                </a:solidFill>
-              </a:rPr>
-              <a:t>Dehydration</a:t>
-            </a:r>
-          </a:p>
-        </p:txBody>
-      </p:sp>
-      <p:sp>
-        <p:nvSpPr>
-          <p:cNvPr id="11" name="Down Arrow 10"/>
-          <p:cNvSpPr/>
-          <p:nvPr/>
-        </p:nvSpPr>
-        <p:spPr>
-          <a:xfrm rot="16200000">
-            <a:off x="5952638" y="3556736"/>
-            <a:ext cx="457200" cy="457200"/>
-          </a:xfrm>
-          <a:prstGeom prst="downArrow">
-            <a:avLst/>
-          </a:prstGeom>
-        </p:spPr>
-        <p:style>
-          <a:lnRef idx="2">
-            <a:schemeClr val="dk1">
-              <a:shade val="50000"/>
-            </a:schemeClr>
-          </a:lnRef>
-          <a:fillRef idx="1">
-            <a:schemeClr val="dk1"/>
-          </a:fillRef>
-          <a:effectRef idx="0">
-            <a:schemeClr val="dk1"/>
-          </a:effectRef>
-          <a:fontRef idx="minor">
-            <a:schemeClr val="lt1"/>
-          </a:fontRef>
-        </p:style>
-        <p:txBody>
-          <a:bodyPr rtlCol="0" anchor="ctr"/>
-          <a:lstStyle/>
-          <a:p>
-            <a:pPr algn="ctr"/>
-            <a:endParaRPr lang="en-US">
-              <a:solidFill>
-                <a:prstClr val="white"/>
-              </a:solidFill>
-            </a:endParaRPr>
-          </a:p>
-        </p:txBody>
-      </p:sp>
-      <p:sp>
-        <p:nvSpPr>
-          <p:cNvPr id="12" name="Down Arrow 11"/>
-          <p:cNvSpPr/>
-          <p:nvPr/>
-        </p:nvSpPr>
-        <p:spPr>
-          <a:xfrm>
-            <a:off x="1467689" y="2658208"/>
-            <a:ext cx="457200" cy="457200"/>
-          </a:xfrm>
-          <a:prstGeom prst="downArrow">
-            <a:avLst/>
-          </a:prstGeom>
-        </p:spPr>
-        <p:style>
-          <a:lnRef idx="2">
-            <a:schemeClr val="dk1">
-              <a:shade val="50000"/>
-            </a:schemeClr>
-          </a:lnRef>
-          <a:fillRef idx="1">
-            <a:schemeClr val="dk1"/>
-          </a:fillRef>
-          <a:effectRef idx="0">
-            <a:schemeClr val="dk1"/>
-          </a:effectRef>
-          <a:fontRef idx="minor">
-            <a:schemeClr val="lt1"/>
-          </a:fontRef>
-        </p:style>
-        <p:txBody>
-          <a:bodyPr rtlCol="0" anchor="ctr"/>
-          <a:lstStyle/>
-          <a:p>
-            <a:pPr algn="ctr"/>
-            <a:endParaRPr lang="en-US">
-              <a:solidFill>
-                <a:prstClr val="white"/>
-              </a:solidFill>
-            </a:endParaRPr>
-          </a:p>
-        </p:txBody>
-      </p:sp>
-      <p:sp>
-        <p:nvSpPr>
-          <p:cNvPr id="14" name="U-Turn Arrow 13"/>
-          <p:cNvSpPr/>
-          <p:nvPr/>
-        </p:nvSpPr>
-        <p:spPr>
-          <a:xfrm rot="10800000">
-            <a:off x="1467689" y="4242535"/>
-            <a:ext cx="6304711" cy="914400"/>
-          </a:xfrm>
-          <a:prstGeom prst="uturnArrow">
-            <a:avLst>
-              <a:gd name="adj1" fmla="val 25000"/>
-              <a:gd name="adj2" fmla="val 25000"/>
-              <a:gd name="adj3" fmla="val 25000"/>
-              <a:gd name="adj4" fmla="val 43750"/>
-              <a:gd name="adj5" fmla="val 81780"/>
-            </a:avLst>
-          </a:prstGeom>
-        </p:spPr>
-        <p:style>
-          <a:lnRef idx="2">
-            <a:schemeClr val="dk1">
-              <a:shade val="50000"/>
-            </a:schemeClr>
-          </a:lnRef>
-          <a:fillRef idx="1">
-            <a:schemeClr val="dk1"/>
-          </a:fillRef>
-          <a:effectRef idx="0">
-            <a:schemeClr val="dk1"/>
-          </a:effectRef>
-          <a:fontRef idx="minor">
-            <a:schemeClr val="lt1"/>
-          </a:fontRef>
-        </p:style>
-        <p:txBody>
-          <a:bodyPr rtlCol="0" anchor="ctr"/>
-          <a:lstStyle/>
-          <a:p>
-            <a:pPr algn="ctr"/>
-            <a:endParaRPr lang="en-US">
-              <a:solidFill>
-                <a:prstClr val="white"/>
-              </a:solidFill>
-            </a:endParaRPr>
-          </a:p>
-        </p:txBody>
-      </p:sp>
-    </p:spTree>
-    <p:extLst>
-      <p:ext uri="{BB962C8B-B14F-4D97-AF65-F5344CB8AC3E}">
-        <p14:creationId xmlns:p14="http://schemas.microsoft.com/office/powerpoint/2010/main" val="674070360"/>
-      </p:ext>
-    </p:extLst>
-  </p:cSld>
-  <p:clrMapOvr>
-    <a:masterClrMapping/>
-  </p:clrMapOvr>
-</p:sld>
-</file>
-
-<file path=ppt/slides/slide2.xml><?xml version="1.0" encoding="utf-8"?>
-<p:sld xmlns:a="http://schemas.openxmlformats.org/drawingml/2006/main" xmlns:r="http://schemas.openxmlformats.org/officeDocument/2006/relationships" xmlns:p="http://schemas.openxmlformats.org/presentationml/2006/main">
-  <p:cSld>
-    <p:spTree>
-      <p:nvGrpSpPr>
-        <p:cNvPr id="1" name=""/>
-        <p:cNvGrpSpPr/>
-        <p:nvPr/>
-      </p:nvGrpSpPr>
-      <p:grpSpPr>
-        <a:xfrm>
-          <a:off x="0" y="0"/>
-          <a:ext cx="0" cy="0"/>
-          <a:chOff x="0" y="0"/>
-          <a:chExt cx="0" cy="0"/>
-        </a:xfrm>
-      </p:grpSpPr>
-      <p:sp>
-        <p:nvSpPr>
           <p:cNvPr id="2" name="Title 1"/>
           <p:cNvSpPr>
             <a:spLocks noGrp="1"/>
@@ -3737,7 +3184,7 @@
 </p:sld>
 </file>
 
-<file path=ppt/slides/slide3.xml><?xml version="1.0" encoding="utf-8"?>
+<file path=ppt/slides/slide2.xml><?xml version="1.0" encoding="utf-8"?>
 <p:sld xmlns:a="http://schemas.openxmlformats.org/drawingml/2006/main" xmlns:r="http://schemas.openxmlformats.org/officeDocument/2006/relationships" xmlns:p="http://schemas.openxmlformats.org/presentationml/2006/main">
   <p:cSld>
     <p:spTree>
